--- a/Week 1/Session 1 - Review of Linear Regression.pptx
+++ b/Week 1/Session 1 - Review of Linear Regression.pptx
@@ -5785,7 +5785,7 @@
           <a:p>
             <a:fld id="{A96E0CAE-2DE7-439C-BCF1-8B171D71348A}" type="datetimeFigureOut">
               <a:rPr lang="en-US" smtClean="0"/>
-              <a:t>1/24/25</a:t>
+              <a:t>2/21/25</a:t>
             </a:fld>
             <a:endParaRPr lang="en-US"/>
           </a:p>
@@ -7104,6 +7104,67 @@
           <a:bodyPr/>
           <a:lstStyle/>
           <a:p>
+            <a:r>
+              <a:rPr lang="en-US" b="0" i="0" dirty="0" err="1">
+                <a:solidFill>
+                  <a:srgbClr val="001D35"/>
+                </a:solidFill>
+                <a:effectLst/>
+                <a:latin typeface="Google Sans"/>
+              </a:rPr>
+              <a:t>No"B</a:t>
+            </a:r>
+            <a:r>
+              <a:rPr lang="en-US" b="0" i="0" dirty="0">
+                <a:solidFill>
+                  <a:srgbClr val="001D35"/>
+                </a:solidFill>
+                <a:effectLst/>
+                <a:latin typeface="Google Sans"/>
+              </a:rPr>
+              <a:t>" in a regression model (representing the unstandardized regression coefficient) is not directly considered an effect size; </a:t>
+            </a:r>
+          </a:p>
+          <a:p>
+            <a:endParaRPr lang="en-US" b="0" i="0" dirty="0">
+              <a:solidFill>
+                <a:srgbClr val="001D35"/>
+              </a:solidFill>
+              <a:effectLst/>
+              <a:latin typeface="Google Sans"/>
+            </a:endParaRPr>
+          </a:p>
+          <a:p>
+            <a:r>
+              <a:rPr lang="en-US" b="0" i="0" dirty="0">
+                <a:solidFill>
+                  <a:srgbClr val="001D35"/>
+                </a:solidFill>
+                <a:effectLst/>
+                <a:latin typeface="Google Sans"/>
+              </a:rPr>
+              <a:t>however, the standardized version of "B," called "beta" (</a:t>
+            </a:r>
+            <a:r>
+              <a:rPr lang="el-GR" b="0" i="0" dirty="0">
+                <a:solidFill>
+                  <a:srgbClr val="001D35"/>
+                </a:solidFill>
+                <a:effectLst/>
+                <a:latin typeface="Google Sans"/>
+              </a:rPr>
+              <a:t>β), </a:t>
+            </a:r>
+            <a:r>
+              <a:rPr lang="en-US" b="0" i="0" dirty="0">
+                <a:solidFill>
+                  <a:srgbClr val="001D35"/>
+                </a:solidFill>
+                <a:effectLst/>
+                <a:latin typeface="Google Sans"/>
+              </a:rPr>
+              <a:t>is often used as an effect size measure because it represents the change in the dependent variable for a one standard deviation change in the independent variable</a:t>
+            </a:r>
             <a:endParaRPr lang="en-US" dirty="0"/>
           </a:p>
         </p:txBody>
@@ -20718,6 +20779,9 @@
                 <a:solidFill>
                   <a:schemeClr val="tx1"/>
                 </a:solidFill>
+                <a:highlight>
+                  <a:srgbClr val="FFFF00"/>
+                </a:highlight>
               </a:rPr>
               <a:t>Semi-partial (part) correlation: </a:t>
             </a:r>
@@ -20726,6 +20790,9 @@
                 <a:solidFill>
                   <a:schemeClr val="tx1"/>
                 </a:solidFill>
+                <a:highlight>
+                  <a:srgbClr val="FFFF00"/>
+                </a:highlight>
               </a:rPr>
               <a:t>Relationship between IV with DV after the variance explained in the DV by other IVs is removed</a:t>
             </a:r>
